--- a/images/technical-figures.pptx
+++ b/images/technical-figures.pptx
@@ -104,6 +104,11 @@
       </a:defRPr>
     </a:lvl9pPr>
   </p:defaultTextStyle>
+  <p:extLst>
+    <p:ext uri="{EFAFB233-063F-42B5-8137-9DF3F51BA10A}">
+      <p15:sldGuideLst xmlns:p15="http://schemas.microsoft.com/office/powerpoint/2012/main"/>
+    </p:ext>
+  </p:extLst>
 </p:presentation>
 </file>
 
@@ -256,7 +261,7 @@
           <a:p>
             <a:fld id="{5F4561EB-B8A7-4A43-A552-CA143B2BBB4D}" type="datetimeFigureOut">
               <a:rPr lang="en-US" smtClean="0"/>
-              <a:t>10/8/2018</a:t>
+              <a:t>10/9/2018</a:t>
             </a:fld>
             <a:endParaRPr lang="en-US"/>
           </a:p>
@@ -488,7 +493,7 @@
           <a:p>
             <a:fld id="{5F4561EB-B8A7-4A43-A552-CA143B2BBB4D}" type="datetimeFigureOut">
               <a:rPr lang="en-US" smtClean="0"/>
-              <a:t>10/8/2018</a:t>
+              <a:t>10/9/2018</a:t>
             </a:fld>
             <a:endParaRPr lang="en-US"/>
           </a:p>
@@ -730,7 +735,7 @@
           <a:p>
             <a:fld id="{5F4561EB-B8A7-4A43-A552-CA143B2BBB4D}" type="datetimeFigureOut">
               <a:rPr lang="en-US" smtClean="0"/>
-              <a:t>10/8/2018</a:t>
+              <a:t>10/9/2018</a:t>
             </a:fld>
             <a:endParaRPr lang="en-US"/>
           </a:p>
@@ -962,7 +967,7 @@
           <a:p>
             <a:fld id="{5F4561EB-B8A7-4A43-A552-CA143B2BBB4D}" type="datetimeFigureOut">
               <a:rPr lang="en-US" smtClean="0"/>
-              <a:t>10/8/2018</a:t>
+              <a:t>10/9/2018</a:t>
             </a:fld>
             <a:endParaRPr lang="en-US"/>
           </a:p>
@@ -1238,7 +1243,7 @@
           <a:p>
             <a:fld id="{5F4561EB-B8A7-4A43-A552-CA143B2BBB4D}" type="datetimeFigureOut">
               <a:rPr lang="en-US" smtClean="0"/>
-              <a:t>10/8/2018</a:t>
+              <a:t>10/9/2018</a:t>
             </a:fld>
             <a:endParaRPr lang="en-US"/>
           </a:p>
@@ -1570,7 +1575,7 @@
           <a:p>
             <a:fld id="{5F4561EB-B8A7-4A43-A552-CA143B2BBB4D}" type="datetimeFigureOut">
               <a:rPr lang="en-US" smtClean="0"/>
-              <a:t>10/8/2018</a:t>
+              <a:t>10/9/2018</a:t>
             </a:fld>
             <a:endParaRPr lang="en-US"/>
           </a:p>
@@ -2049,7 +2054,7 @@
           <a:p>
             <a:fld id="{5F4561EB-B8A7-4A43-A552-CA143B2BBB4D}" type="datetimeFigureOut">
               <a:rPr lang="en-US" smtClean="0"/>
-              <a:t>10/8/2018</a:t>
+              <a:t>10/9/2018</a:t>
             </a:fld>
             <a:endParaRPr lang="en-US"/>
           </a:p>
@@ -2191,7 +2196,7 @@
           <a:p>
             <a:fld id="{5F4561EB-B8A7-4A43-A552-CA143B2BBB4D}" type="datetimeFigureOut">
               <a:rPr lang="en-US" smtClean="0"/>
-              <a:t>10/8/2018</a:t>
+              <a:t>10/9/2018</a:t>
             </a:fld>
             <a:endParaRPr lang="en-US"/>
           </a:p>
@@ -2304,7 +2309,7 @@
           <a:p>
             <a:fld id="{5F4561EB-B8A7-4A43-A552-CA143B2BBB4D}" type="datetimeFigureOut">
               <a:rPr lang="en-US" smtClean="0"/>
-              <a:t>10/8/2018</a:t>
+              <a:t>10/9/2018</a:t>
             </a:fld>
             <a:endParaRPr lang="en-US"/>
           </a:p>
@@ -2649,7 +2654,7 @@
           <a:p>
             <a:fld id="{5F4561EB-B8A7-4A43-A552-CA143B2BBB4D}" type="datetimeFigureOut">
               <a:rPr lang="en-US" smtClean="0"/>
-              <a:t>10/8/2018</a:t>
+              <a:t>10/9/2018</a:t>
             </a:fld>
             <a:endParaRPr lang="en-US"/>
           </a:p>
@@ -2938,7 +2943,7 @@
           <a:p>
             <a:fld id="{5F4561EB-B8A7-4A43-A552-CA143B2BBB4D}" type="datetimeFigureOut">
               <a:rPr lang="en-US" smtClean="0"/>
-              <a:t>10/8/2018</a:t>
+              <a:t>10/9/2018</a:t>
             </a:fld>
             <a:endParaRPr lang="en-US"/>
           </a:p>
@@ -3213,7 +3218,7 @@
           <a:p>
             <a:fld id="{5F4561EB-B8A7-4A43-A552-CA143B2BBB4D}" type="datetimeFigureOut">
               <a:rPr lang="en-US" smtClean="0"/>
-              <a:t>10/8/2018</a:t>
+              <a:t>10/9/2018</a:t>
             </a:fld>
             <a:endParaRPr lang="en-US"/>
           </a:p>
@@ -4117,10 +4122,10 @@
       </p:pic>
       <p:pic>
         <p:nvPicPr>
-          <p:cNvPr id="13" name="図 12">
-            <a:extLst>
-              <a:ext uri="{FF2B5EF4-FFF2-40B4-BE49-F238E27FC236}">
-                <a16:creationId xmlns:a16="http://schemas.microsoft.com/office/drawing/2014/main" id="{C2716D0D-A8E4-492F-B86E-BB0E0646180F}"/>
+          <p:cNvPr id="15" name="図 14">
+            <a:extLst>
+              <a:ext uri="{FF2B5EF4-FFF2-40B4-BE49-F238E27FC236}">
+                <a16:creationId xmlns:a16="http://schemas.microsoft.com/office/drawing/2014/main" id="{35485697-ACAA-444A-A031-D9E5694E8EC7}"/>
               </a:ext>
             </a:extLst>
           </p:cNvPr>
@@ -4131,42 +4136,6 @@
         </p:nvPicPr>
         <p:blipFill>
           <a:blip r:embed="rId6">
-            <a:extLst>
-              <a:ext uri="{28A0092B-C50C-407E-A947-70E740481C1C}">
-                <a14:useLocalDpi xmlns:a14="http://schemas.microsoft.com/office/drawing/2010/main" val="0"/>
-              </a:ext>
-            </a:extLst>
-          </a:blip>
-          <a:stretch>
-            <a:fillRect/>
-          </a:stretch>
-        </p:blipFill>
-        <p:spPr>
-          <a:xfrm>
-            <a:off x="6718491" y="1684900"/>
-            <a:ext cx="1102449" cy="1102449"/>
-          </a:xfrm>
-          <a:prstGeom prst="rect">
-            <a:avLst/>
-          </a:prstGeom>
-        </p:spPr>
-      </p:pic>
-      <p:pic>
-        <p:nvPicPr>
-          <p:cNvPr id="15" name="図 14">
-            <a:extLst>
-              <a:ext uri="{FF2B5EF4-FFF2-40B4-BE49-F238E27FC236}">
-                <a16:creationId xmlns:a16="http://schemas.microsoft.com/office/drawing/2014/main" id="{35485697-ACAA-444A-A031-D9E5694E8EC7}"/>
-              </a:ext>
-            </a:extLst>
-          </p:cNvPr>
-          <p:cNvPicPr>
-            <a:picLocks noChangeAspect="1"/>
-          </p:cNvPicPr>
-          <p:nvPr/>
-        </p:nvPicPr>
-        <p:blipFill>
-          <a:blip r:embed="rId7">
             <a:extLst>
               <a:ext uri="{28A0092B-C50C-407E-A947-70E740481C1C}">
                 <a14:useLocalDpi xmlns:a14="http://schemas.microsoft.com/office/drawing/2010/main" val="0"/>
@@ -4260,7 +4229,7 @@
           <p:nvPr/>
         </p:nvPicPr>
         <p:blipFill rotWithShape="1">
-          <a:blip r:embed="rId8">
+          <a:blip r:embed="rId7">
             <a:extLst>
               <a:ext uri="{28A0092B-C50C-407E-A947-70E740481C1C}">
                 <a14:useLocalDpi xmlns:a14="http://schemas.microsoft.com/office/drawing/2010/main" val="0"/>
@@ -4732,6 +4701,42 @@
           </a:fontRef>
         </p:style>
       </p:cxnSp>
+      <p:pic>
+        <p:nvPicPr>
+          <p:cNvPr id="3" name="図 2" descr="テキスト が含まれている画像&#10;&#10;高い精度で生成された説明">
+            <a:extLst>
+              <a:ext uri="{FF2B5EF4-FFF2-40B4-BE49-F238E27FC236}">
+                <a16:creationId xmlns:a16="http://schemas.microsoft.com/office/drawing/2014/main" id="{47A96BA7-0129-49E4-81C2-991A465645CB}"/>
+              </a:ext>
+            </a:extLst>
+          </p:cNvPr>
+          <p:cNvPicPr>
+            <a:picLocks noChangeAspect="1"/>
+          </p:cNvPicPr>
+          <p:nvPr/>
+        </p:nvPicPr>
+        <p:blipFill>
+          <a:blip r:embed="rId8">
+            <a:extLst>
+              <a:ext uri="{28A0092B-C50C-407E-A947-70E740481C1C}">
+                <a14:useLocalDpi xmlns:a14="http://schemas.microsoft.com/office/drawing/2010/main" val="0"/>
+              </a:ext>
+            </a:extLst>
+          </a:blip>
+          <a:stretch>
+            <a:fillRect/>
+          </a:stretch>
+        </p:blipFill>
+        <p:spPr>
+          <a:xfrm>
+            <a:off x="6747834" y="1689789"/>
+            <a:ext cx="1102449" cy="1102449"/>
+          </a:xfrm>
+          <a:prstGeom prst="rect">
+            <a:avLst/>
+          </a:prstGeom>
+        </p:spPr>
+      </p:pic>
     </p:spTree>
     <p:extLst>
       <p:ext uri="{BB962C8B-B14F-4D97-AF65-F5344CB8AC3E}">
